--- a/PPT JS.pptx
+++ b/PPT JS.pptx
@@ -808,13 +808,13 @@
   <p:clrMapOvr>
     <a:overrideClrMapping bg1="dk1" tx1="lt1" bg2="dk2" tx2="lt2" accent1="accent1" accent2="accent2" accent3="accent3" accent4="accent4" accent5="accent5" accent6="accent6" hlink="hlink" folHlink="folHlink"/>
   </p:clrMapOvr>
-  <mc:AlternateContent xmlns:mc="http://schemas.openxmlformats.org/markup-compatibility/2006">
-    <mc:Choice xmlns:p14="http://schemas.microsoft.com/office/powerpoint/2010/main" Requires="p14">
+  <mc:AlternateContent xmlns:mc="http://schemas.openxmlformats.org/markup-compatibility/2006" xmlns:p14="http://schemas.microsoft.com/office/powerpoint/2010/main">
+    <mc:Choice Requires="p14">
       <p:transition>
         <p14:glitter pattern="hexagon"/>
       </p:transition>
     </mc:Choice>
-    <mc:Fallback>
+    <mc:Fallback xmlns="">
       <p:transition>
         <p:fade/>
       </p:transition>
@@ -1144,13 +1144,13 @@
   <p:clrMapOvr>
     <a:masterClrMapping/>
   </p:clrMapOvr>
-  <mc:AlternateContent xmlns:mc="http://schemas.openxmlformats.org/markup-compatibility/2006">
-    <mc:Choice xmlns:p14="http://schemas.microsoft.com/office/powerpoint/2010/main" Requires="p14">
+  <mc:AlternateContent xmlns:mc="http://schemas.openxmlformats.org/markup-compatibility/2006" xmlns:p14="http://schemas.microsoft.com/office/powerpoint/2010/main">
+    <mc:Choice Requires="p14">
       <p:transition>
         <p14:glitter pattern="hexagon"/>
       </p:transition>
     </mc:Choice>
-    <mc:Fallback>
+    <mc:Fallback xmlns="">
       <p:transition>
         <p:fade/>
       </p:transition>
@@ -1434,13 +1434,13 @@
   <p:clrMapOvr>
     <a:masterClrMapping/>
   </p:clrMapOvr>
-  <mc:AlternateContent xmlns:mc="http://schemas.openxmlformats.org/markup-compatibility/2006">
-    <mc:Choice xmlns:p14="http://schemas.microsoft.com/office/powerpoint/2010/main" Requires="p14">
+  <mc:AlternateContent xmlns:mc="http://schemas.openxmlformats.org/markup-compatibility/2006" xmlns:p14="http://schemas.microsoft.com/office/powerpoint/2010/main">
+    <mc:Choice Requires="p14">
       <p:transition>
         <p14:glitter pattern="hexagon"/>
       </p:transition>
     </mc:Choice>
-    <mc:Fallback>
+    <mc:Fallback xmlns="">
       <p:transition>
         <p:fade/>
       </p:transition>
@@ -2014,13 +2014,13 @@
   <p:clrMapOvr>
     <a:masterClrMapping/>
   </p:clrMapOvr>
-  <mc:AlternateContent xmlns:mc="http://schemas.openxmlformats.org/markup-compatibility/2006">
-    <mc:Choice xmlns:p14="http://schemas.microsoft.com/office/powerpoint/2010/main" Requires="p14">
+  <mc:AlternateContent xmlns:mc="http://schemas.openxmlformats.org/markup-compatibility/2006" xmlns:p14="http://schemas.microsoft.com/office/powerpoint/2010/main">
+    <mc:Choice Requires="p14">
       <p:transition>
         <p14:glitter pattern="hexagon"/>
       </p:transition>
     </mc:Choice>
-    <mc:Fallback>
+    <mc:Fallback xmlns="">
       <p:transition>
         <p:fade/>
       </p:transition>
@@ -2304,13 +2304,13 @@
   <p:clrMapOvr>
     <a:masterClrMapping/>
   </p:clrMapOvr>
-  <mc:AlternateContent xmlns:mc="http://schemas.openxmlformats.org/markup-compatibility/2006">
-    <mc:Choice xmlns:p14="http://schemas.microsoft.com/office/powerpoint/2010/main" Requires="p14">
+  <mc:AlternateContent xmlns:mc="http://schemas.openxmlformats.org/markup-compatibility/2006" xmlns:p14="http://schemas.microsoft.com/office/powerpoint/2010/main">
+    <mc:Choice Requires="p14">
       <p:transition>
         <p14:glitter pattern="hexagon"/>
       </p:transition>
     </mc:Choice>
-    <mc:Fallback>
+    <mc:Fallback xmlns="">
       <p:transition>
         <p:fade/>
       </p:transition>
@@ -2878,13 +2878,13 @@
   <p:clrMapOvr>
     <a:masterClrMapping/>
   </p:clrMapOvr>
-  <mc:AlternateContent xmlns:mc="http://schemas.openxmlformats.org/markup-compatibility/2006">
-    <mc:Choice xmlns:p14="http://schemas.microsoft.com/office/powerpoint/2010/main" Requires="p14">
+  <mc:AlternateContent xmlns:mc="http://schemas.openxmlformats.org/markup-compatibility/2006" xmlns:p14="http://schemas.microsoft.com/office/powerpoint/2010/main">
+    <mc:Choice Requires="p14">
       <p:transition>
         <p14:glitter pattern="hexagon"/>
       </p:transition>
     </mc:Choice>
-    <mc:Fallback>
+    <mc:Fallback xmlns="">
       <p:transition>
         <p:fade/>
       </p:transition>
@@ -3217,13 +3217,13 @@
   <p:clrMapOvr>
     <a:masterClrMapping/>
   </p:clrMapOvr>
-  <mc:AlternateContent xmlns:mc="http://schemas.openxmlformats.org/markup-compatibility/2006">
-    <mc:Choice xmlns:p14="http://schemas.microsoft.com/office/powerpoint/2010/main" Requires="p14">
+  <mc:AlternateContent xmlns:mc="http://schemas.openxmlformats.org/markup-compatibility/2006" xmlns:p14="http://schemas.microsoft.com/office/powerpoint/2010/main">
+    <mc:Choice Requires="p14">
       <p:transition>
         <p14:glitter pattern="hexagon"/>
       </p:transition>
     </mc:Choice>
-    <mc:Fallback>
+    <mc:Fallback xmlns="">
       <p:transition>
         <p:fade/>
       </p:transition>
@@ -3434,13 +3434,13 @@
   <p:clrMapOvr>
     <a:masterClrMapping/>
   </p:clrMapOvr>
-  <mc:AlternateContent xmlns:mc="http://schemas.openxmlformats.org/markup-compatibility/2006">
-    <mc:Choice xmlns:p14="http://schemas.microsoft.com/office/powerpoint/2010/main" Requires="p14">
+  <mc:AlternateContent xmlns:mc="http://schemas.openxmlformats.org/markup-compatibility/2006" xmlns:p14="http://schemas.microsoft.com/office/powerpoint/2010/main">
+    <mc:Choice Requires="p14">
       <p:transition>
         <p14:glitter pattern="hexagon"/>
       </p:transition>
     </mc:Choice>
-    <mc:Fallback>
+    <mc:Fallback xmlns="">
       <p:transition>
         <p:fade/>
       </p:transition>
@@ -3656,13 +3656,13 @@
   <p:clrMapOvr>
     <a:masterClrMapping/>
   </p:clrMapOvr>
-  <mc:AlternateContent xmlns:mc="http://schemas.openxmlformats.org/markup-compatibility/2006">
-    <mc:Choice xmlns:p14="http://schemas.microsoft.com/office/powerpoint/2010/main" Requires="p14">
+  <mc:AlternateContent xmlns:mc="http://schemas.openxmlformats.org/markup-compatibility/2006" xmlns:p14="http://schemas.microsoft.com/office/powerpoint/2010/main">
+    <mc:Choice Requires="p14">
       <p:transition>
         <p14:glitter pattern="hexagon"/>
       </p:transition>
     </mc:Choice>
-    <mc:Fallback>
+    <mc:Fallback xmlns="">
       <p:transition>
         <p:fade/>
       </p:transition>
@@ -3868,13 +3868,13 @@
   <p:clrMapOvr>
     <a:masterClrMapping/>
   </p:clrMapOvr>
-  <mc:AlternateContent xmlns:mc="http://schemas.openxmlformats.org/markup-compatibility/2006">
-    <mc:Choice xmlns:p14="http://schemas.microsoft.com/office/powerpoint/2010/main" Requires="p14">
+  <mc:AlternateContent xmlns:mc="http://schemas.openxmlformats.org/markup-compatibility/2006" xmlns:p14="http://schemas.microsoft.com/office/powerpoint/2010/main">
+    <mc:Choice Requires="p14">
       <p:transition>
         <p14:glitter pattern="hexagon"/>
       </p:transition>
     </mc:Choice>
-    <mc:Fallback>
+    <mc:Fallback xmlns="">
       <p:transition>
         <p:fade/>
       </p:transition>
@@ -4156,13 +4156,13 @@
   <p:clrMapOvr>
     <a:masterClrMapping/>
   </p:clrMapOvr>
-  <mc:AlternateContent xmlns:mc="http://schemas.openxmlformats.org/markup-compatibility/2006">
-    <mc:Choice xmlns:p14="http://schemas.microsoft.com/office/powerpoint/2010/main" Requires="p14">
+  <mc:AlternateContent xmlns:mc="http://schemas.openxmlformats.org/markup-compatibility/2006" xmlns:p14="http://schemas.microsoft.com/office/powerpoint/2010/main">
+    <mc:Choice Requires="p14">
       <p:transition>
         <p14:glitter pattern="hexagon"/>
       </p:transition>
     </mc:Choice>
-    <mc:Fallback>
+    <mc:Fallback xmlns="">
       <p:transition>
         <p:fade/>
       </p:transition>
@@ -4434,13 +4434,13 @@
   <p:clrMapOvr>
     <a:masterClrMapping/>
   </p:clrMapOvr>
-  <mc:AlternateContent xmlns:mc="http://schemas.openxmlformats.org/markup-compatibility/2006">
-    <mc:Choice xmlns:p14="http://schemas.microsoft.com/office/powerpoint/2010/main" Requires="p14">
+  <mc:AlternateContent xmlns:mc="http://schemas.openxmlformats.org/markup-compatibility/2006" xmlns:p14="http://schemas.microsoft.com/office/powerpoint/2010/main">
+    <mc:Choice Requires="p14">
       <p:transition>
         <p14:glitter pattern="hexagon"/>
       </p:transition>
     </mc:Choice>
-    <mc:Fallback>
+    <mc:Fallback xmlns="">
       <p:transition>
         <p:fade/>
       </p:transition>
@@ -4820,13 +4820,13 @@
   <p:clrMapOvr>
     <a:masterClrMapping/>
   </p:clrMapOvr>
-  <mc:AlternateContent xmlns:mc="http://schemas.openxmlformats.org/markup-compatibility/2006">
-    <mc:Choice xmlns:p14="http://schemas.microsoft.com/office/powerpoint/2010/main" Requires="p14">
+  <mc:AlternateContent xmlns:mc="http://schemas.openxmlformats.org/markup-compatibility/2006" xmlns:p14="http://schemas.microsoft.com/office/powerpoint/2010/main">
+    <mc:Choice Requires="p14">
       <p:transition>
         <p14:glitter pattern="hexagon"/>
       </p:transition>
     </mc:Choice>
-    <mc:Fallback>
+    <mc:Fallback xmlns="">
       <p:transition>
         <p:fade/>
       </p:transition>
@@ -4980,13 +4980,13 @@
   <p:clrMapOvr>
     <a:masterClrMapping/>
   </p:clrMapOvr>
-  <mc:AlternateContent xmlns:mc="http://schemas.openxmlformats.org/markup-compatibility/2006">
-    <mc:Choice xmlns:p14="http://schemas.microsoft.com/office/powerpoint/2010/main" Requires="p14">
+  <mc:AlternateContent xmlns:mc="http://schemas.openxmlformats.org/markup-compatibility/2006" xmlns:p14="http://schemas.microsoft.com/office/powerpoint/2010/main">
+    <mc:Choice Requires="p14">
       <p:transition>
         <p14:glitter pattern="hexagon"/>
       </p:transition>
     </mc:Choice>
-    <mc:Fallback>
+    <mc:Fallback xmlns="">
       <p:transition>
         <p:fade/>
       </p:transition>
@@ -5117,13 +5117,13 @@
   <p:clrMapOvr>
     <a:masterClrMapping/>
   </p:clrMapOvr>
-  <mc:AlternateContent xmlns:mc="http://schemas.openxmlformats.org/markup-compatibility/2006">
-    <mc:Choice xmlns:p14="http://schemas.microsoft.com/office/powerpoint/2010/main" Requires="p14">
+  <mc:AlternateContent xmlns:mc="http://schemas.openxmlformats.org/markup-compatibility/2006" xmlns:p14="http://schemas.microsoft.com/office/powerpoint/2010/main">
+    <mc:Choice Requires="p14">
       <p:transition>
         <p14:glitter pattern="hexagon"/>
       </p:transition>
     </mc:Choice>
-    <mc:Fallback>
+    <mc:Fallback xmlns="">
       <p:transition>
         <p:fade/>
       </p:transition>
@@ -5414,13 +5414,13 @@
   <p:clrMapOvr>
     <a:masterClrMapping/>
   </p:clrMapOvr>
-  <mc:AlternateContent xmlns:mc="http://schemas.openxmlformats.org/markup-compatibility/2006">
-    <mc:Choice xmlns:p14="http://schemas.microsoft.com/office/powerpoint/2010/main" Requires="p14">
+  <mc:AlternateContent xmlns:mc="http://schemas.openxmlformats.org/markup-compatibility/2006" xmlns:p14="http://schemas.microsoft.com/office/powerpoint/2010/main">
+    <mc:Choice Requires="p14">
       <p:transition>
         <p14:glitter pattern="hexagon"/>
       </p:transition>
     </mc:Choice>
-    <mc:Fallback>
+    <mc:Fallback xmlns="">
       <p:transition>
         <p:fade/>
       </p:transition>
@@ -5750,13 +5750,13 @@
   <p:clrMapOvr>
     <a:masterClrMapping/>
   </p:clrMapOvr>
-  <mc:AlternateContent xmlns:mc="http://schemas.openxmlformats.org/markup-compatibility/2006">
-    <mc:Choice xmlns:p14="http://schemas.microsoft.com/office/powerpoint/2010/main" Requires="p14">
+  <mc:AlternateContent xmlns:mc="http://schemas.openxmlformats.org/markup-compatibility/2006" xmlns:p14="http://schemas.microsoft.com/office/powerpoint/2010/main">
+    <mc:Choice Requires="p14">
       <p:transition>
         <p14:glitter pattern="hexagon"/>
       </p:transition>
     </mc:Choice>
-    <mc:Fallback>
+    <mc:Fallback xmlns="">
       <p:transition>
         <p:fade/>
       </p:transition>
@@ -6029,13 +6029,13 @@
     <p:sldLayoutId id="2147483718" r:id="rId16"/>
     <p:sldLayoutId id="2147483719" r:id="rId17"/>
   </p:sldLayoutIdLst>
-  <mc:AlternateContent xmlns:mc="http://schemas.openxmlformats.org/markup-compatibility/2006">
-    <mc:Choice xmlns:p14="http://schemas.microsoft.com/office/powerpoint/2010/main" Requires="p14">
+  <mc:AlternateContent xmlns:mc="http://schemas.openxmlformats.org/markup-compatibility/2006" xmlns:p14="http://schemas.microsoft.com/office/powerpoint/2010/main">
+    <mc:Choice Requires="p14">
       <p:transition>
         <p14:glitter pattern="hexagon"/>
       </p:transition>
     </mc:Choice>
-    <mc:Fallback>
+    <mc:Fallback xmlns="">
       <p:transition>
         <p:fade/>
       </p:transition>
@@ -6992,13 +6992,13 @@
   <p:clrMapOvr>
     <a:masterClrMapping/>
   </p:clrMapOvr>
-  <mc:AlternateContent xmlns:mc="http://schemas.openxmlformats.org/markup-compatibility/2006">
-    <mc:Choice xmlns:p14="http://schemas.microsoft.com/office/powerpoint/2010/main" Requires="p14">
+  <mc:AlternateContent xmlns:mc="http://schemas.openxmlformats.org/markup-compatibility/2006" xmlns:p14="http://schemas.microsoft.com/office/powerpoint/2010/main">
+    <mc:Choice Requires="p14">
       <p:transition>
         <p14:glitter pattern="hexagon"/>
       </p:transition>
     </mc:Choice>
-    <mc:Fallback>
+    <mc:Fallback xmlns="">
       <p:transition>
         <p:fade/>
       </p:transition>
@@ -7345,13 +7345,13 @@
   <p:clrMapOvr>
     <a:masterClrMapping/>
   </p:clrMapOvr>
-  <mc:AlternateContent xmlns:mc="http://schemas.openxmlformats.org/markup-compatibility/2006">
-    <mc:Choice xmlns:p14="http://schemas.microsoft.com/office/powerpoint/2010/main" Requires="p14">
+  <mc:AlternateContent xmlns:mc="http://schemas.openxmlformats.org/markup-compatibility/2006" xmlns:p14="http://schemas.microsoft.com/office/powerpoint/2010/main">
+    <mc:Choice Requires="p14">
       <p:transition>
         <p14:glitter pattern="hexagon"/>
       </p:transition>
     </mc:Choice>
-    <mc:Fallback>
+    <mc:Fallback xmlns="">
       <p:transition>
         <p:fade/>
       </p:transition>
@@ -7665,13 +7665,13 @@
   <p:clrMapOvr>
     <a:masterClrMapping/>
   </p:clrMapOvr>
-  <mc:AlternateContent xmlns:mc="http://schemas.openxmlformats.org/markup-compatibility/2006">
-    <mc:Choice xmlns:p14="http://schemas.microsoft.com/office/powerpoint/2010/main" Requires="p14">
+  <mc:AlternateContent xmlns:mc="http://schemas.openxmlformats.org/markup-compatibility/2006" xmlns:p14="http://schemas.microsoft.com/office/powerpoint/2010/main">
+    <mc:Choice Requires="p14">
       <p:transition>
         <p14:glitter pattern="hexagon"/>
       </p:transition>
     </mc:Choice>
-    <mc:Fallback>
+    <mc:Fallback xmlns="">
       <p:transition>
         <p:fade/>
       </p:transition>
@@ -8252,13 +8252,13 @@
   <p:clrMapOvr>
     <a:masterClrMapping/>
   </p:clrMapOvr>
-  <mc:AlternateContent xmlns:mc="http://schemas.openxmlformats.org/markup-compatibility/2006">
-    <mc:Choice xmlns:p14="http://schemas.microsoft.com/office/powerpoint/2010/main" Requires="p14">
+  <mc:AlternateContent xmlns:mc="http://schemas.openxmlformats.org/markup-compatibility/2006" xmlns:p14="http://schemas.microsoft.com/office/powerpoint/2010/main">
+    <mc:Choice Requires="p14">
       <p:transition>
         <p14:glitter pattern="hexagon"/>
       </p:transition>
     </mc:Choice>
-    <mc:Fallback>
+    <mc:Fallback xmlns="">
       <p:transition>
         <p:fade/>
       </p:transition>
@@ -8598,13 +8598,13 @@
   <p:clrMapOvr>
     <a:masterClrMapping/>
   </p:clrMapOvr>
-  <mc:AlternateContent xmlns:mc="http://schemas.openxmlformats.org/markup-compatibility/2006">
-    <mc:Choice xmlns:p14="http://schemas.microsoft.com/office/powerpoint/2010/main" Requires="p14">
+  <mc:AlternateContent xmlns:mc="http://schemas.openxmlformats.org/markup-compatibility/2006" xmlns:p14="http://schemas.microsoft.com/office/powerpoint/2010/main">
+    <mc:Choice Requires="p14">
       <p:transition>
         <p14:glitter pattern="hexagon"/>
       </p:transition>
     </mc:Choice>
-    <mc:Fallback>
+    <mc:Fallback xmlns="">
       <p:transition>
         <p:fade/>
       </p:transition>
@@ -8744,13 +8744,13 @@
   <p:clrMapOvr>
     <a:masterClrMapping/>
   </p:clrMapOvr>
-  <mc:AlternateContent xmlns:mc="http://schemas.openxmlformats.org/markup-compatibility/2006">
-    <mc:Choice xmlns:p14="http://schemas.microsoft.com/office/powerpoint/2010/main" Requires="p14">
+  <mc:AlternateContent xmlns:mc="http://schemas.openxmlformats.org/markup-compatibility/2006" xmlns:p14="http://schemas.microsoft.com/office/powerpoint/2010/main">
+    <mc:Choice Requires="p14">
       <p:transition>
         <p14:glitter pattern="hexagon"/>
       </p:transition>
     </mc:Choice>
-    <mc:Fallback>
+    <mc:Fallback xmlns="">
       <p:transition>
         <p:fade/>
       </p:transition>
@@ -9028,13 +9028,13 @@
   <p:clrMapOvr>
     <a:masterClrMapping/>
   </p:clrMapOvr>
-  <mc:AlternateContent xmlns:mc="http://schemas.openxmlformats.org/markup-compatibility/2006">
-    <mc:Choice xmlns:p14="http://schemas.microsoft.com/office/powerpoint/2010/main" Requires="p14">
+  <mc:AlternateContent xmlns:mc="http://schemas.openxmlformats.org/markup-compatibility/2006" xmlns:p14="http://schemas.microsoft.com/office/powerpoint/2010/main">
+    <mc:Choice Requires="p14">
       <p:transition>
         <p14:glitter pattern="hexagon"/>
       </p:transition>
     </mc:Choice>
-    <mc:Fallback>
+    <mc:Fallback xmlns="">
       <p:transition>
         <p:fade/>
       </p:transition>
@@ -9615,13 +9615,13 @@
   <p:clrMapOvr>
     <a:masterClrMapping/>
   </p:clrMapOvr>
-  <mc:AlternateContent xmlns:mc="http://schemas.openxmlformats.org/markup-compatibility/2006">
-    <mc:Choice xmlns:p14="http://schemas.microsoft.com/office/powerpoint/2010/main" Requires="p14">
+  <mc:AlternateContent xmlns:mc="http://schemas.openxmlformats.org/markup-compatibility/2006" xmlns:p14="http://schemas.microsoft.com/office/powerpoint/2010/main">
+    <mc:Choice Requires="p14">
       <p:transition>
         <p14:glitter pattern="hexagon"/>
       </p:transition>
     </mc:Choice>
-    <mc:Fallback>
+    <mc:Fallback xmlns="">
       <p:transition>
         <p:fade/>
       </p:transition>
@@ -10027,13 +10027,13 @@
   <p:clrMapOvr>
     <a:masterClrMapping/>
   </p:clrMapOvr>
-  <mc:AlternateContent xmlns:mc="http://schemas.openxmlformats.org/markup-compatibility/2006">
-    <mc:Choice xmlns:p14="http://schemas.microsoft.com/office/powerpoint/2010/main" Requires="p14">
+  <mc:AlternateContent xmlns:mc="http://schemas.openxmlformats.org/markup-compatibility/2006" xmlns:p14="http://schemas.microsoft.com/office/powerpoint/2010/main">
+    <mc:Choice Requires="p14">
       <p:transition>
         <p14:glitter pattern="hexagon"/>
       </p:transition>
     </mc:Choice>
-    <mc:Fallback>
+    <mc:Fallback xmlns="">
       <p:transition>
         <p:fade/>
       </p:transition>
@@ -10170,7 +10170,23 @@
                 <a:ea typeface="Stilu" charset="0"/>
                 <a:cs typeface="Stilu" charset="0"/>
               </a:rPr>
-              <a:t>Style – 293 lignes</a:t>
+              <a:t>Style </a:t>
+            </a:r>
+            <a:r>
+              <a:rPr lang="fr-FR" sz="2600">
+                <a:latin typeface="Stilu" charset="0"/>
+                <a:ea typeface="Stilu" charset="0"/>
+                <a:cs typeface="Stilu" charset="0"/>
+              </a:rPr>
+              <a:t>– 297 </a:t>
+            </a:r>
+            <a:r>
+              <a:rPr lang="fr-FR" sz="2600" dirty="0">
+                <a:latin typeface="Stilu" charset="0"/>
+                <a:ea typeface="Stilu" charset="0"/>
+                <a:cs typeface="Stilu" charset="0"/>
+              </a:rPr>
+              <a:t>lignes</a:t>
             </a:r>
           </a:p>
           <a:p>
@@ -10396,13 +10412,13 @@
   <p:clrMapOvr>
     <a:masterClrMapping/>
   </p:clrMapOvr>
-  <mc:AlternateContent xmlns:mc="http://schemas.openxmlformats.org/markup-compatibility/2006">
-    <mc:Choice xmlns:p14="http://schemas.microsoft.com/office/powerpoint/2010/main" Requires="p14">
+  <mc:AlternateContent xmlns:mc="http://schemas.openxmlformats.org/markup-compatibility/2006" xmlns:p14="http://schemas.microsoft.com/office/powerpoint/2010/main">
+    <mc:Choice Requires="p14">
       <p:transition>
         <p14:glitter pattern="hexagon"/>
       </p:transition>
     </mc:Choice>
-    <mc:Fallback>
+    <mc:Fallback xmlns="">
       <p:transition>
         <p:fade/>
       </p:transition>
@@ -10797,13 +10813,13 @@
   <p:clrMapOvr>
     <a:masterClrMapping/>
   </p:clrMapOvr>
-  <mc:AlternateContent xmlns:mc="http://schemas.openxmlformats.org/markup-compatibility/2006">
-    <mc:Choice xmlns:p14="http://schemas.microsoft.com/office/powerpoint/2010/main" Requires="p14">
+  <mc:AlternateContent xmlns:mc="http://schemas.openxmlformats.org/markup-compatibility/2006" xmlns:p14="http://schemas.microsoft.com/office/powerpoint/2010/main">
+    <mc:Choice Requires="p14">
       <p:transition>
         <p14:glitter pattern="hexagon"/>
       </p:transition>
     </mc:Choice>
-    <mc:Fallback>
+    <mc:Fallback xmlns="">
       <p:transition>
         <p:fade/>
       </p:transition>
@@ -11050,13 +11066,13 @@
   <p:clrMapOvr>
     <a:masterClrMapping/>
   </p:clrMapOvr>
-  <mc:AlternateContent xmlns:mc="http://schemas.openxmlformats.org/markup-compatibility/2006">
-    <mc:Choice xmlns:p14="http://schemas.microsoft.com/office/powerpoint/2010/main" Requires="p14">
+  <mc:AlternateContent xmlns:mc="http://schemas.openxmlformats.org/markup-compatibility/2006" xmlns:p14="http://schemas.microsoft.com/office/powerpoint/2010/main">
+    <mc:Choice Requires="p14">
       <p:transition>
         <p14:glitter pattern="hexagon"/>
       </p:transition>
     </mc:Choice>
-    <mc:Fallback>
+    <mc:Fallback xmlns="">
       <p:transition>
         <p:fade/>
       </p:transition>
@@ -11637,13 +11653,13 @@
   <p:clrMapOvr>
     <a:masterClrMapping/>
   </p:clrMapOvr>
-  <mc:AlternateContent xmlns:mc="http://schemas.openxmlformats.org/markup-compatibility/2006">
-    <mc:Choice xmlns:p14="http://schemas.microsoft.com/office/powerpoint/2010/main" Requires="p14">
+  <mc:AlternateContent xmlns:mc="http://schemas.openxmlformats.org/markup-compatibility/2006" xmlns:p14="http://schemas.microsoft.com/office/powerpoint/2010/main">
+    <mc:Choice Requires="p14">
       <p:transition>
         <p14:glitter pattern="hexagon"/>
       </p:transition>
     </mc:Choice>
-    <mc:Fallback>
+    <mc:Fallback xmlns="">
       <p:transition>
         <p:fade/>
       </p:transition>
@@ -12224,13 +12240,13 @@
   <p:clrMapOvr>
     <a:masterClrMapping/>
   </p:clrMapOvr>
-  <mc:AlternateContent xmlns:mc="http://schemas.openxmlformats.org/markup-compatibility/2006">
-    <mc:Choice xmlns:p14="http://schemas.microsoft.com/office/powerpoint/2010/main" Requires="p14">
+  <mc:AlternateContent xmlns:mc="http://schemas.openxmlformats.org/markup-compatibility/2006" xmlns:p14="http://schemas.microsoft.com/office/powerpoint/2010/main">
+    <mc:Choice Requires="p14">
       <p:transition>
         <p14:glitter pattern="hexagon"/>
       </p:transition>
     </mc:Choice>
-    <mc:Fallback>
+    <mc:Fallback xmlns="">
       <p:transition>
         <p:fade/>
       </p:transition>
